--- a/slides/2_kubernetes_apps.pptx
+++ b/slides/2_kubernetes_apps.pptx
@@ -10601,8 +10601,8 @@
             <a:t>Some information is more </a:t>
           </a:r>
           <a:r>
-            <a:rPr lang="en-US" dirty="0" err="1"/>
-            <a:t>senistive</a:t>
+            <a:rPr lang="en-US"/>
+            <a:t>sensistive</a:t>
           </a:r>
           <a:endParaRPr lang="en-US" dirty="0"/>
         </a:p>
@@ -14063,8 +14063,8 @@
             <a:t>Some information is more </a:t>
           </a:r>
           <a:r>
-            <a:rPr lang="en-US" sz="2900" kern="1200" dirty="0" err="1"/>
-            <a:t>senistive</a:t>
+            <a:rPr lang="en-US" sz="2900" kern="1200"/>
+            <a:t>sensistive</a:t>
           </a:r>
           <a:endParaRPr lang="en-US" sz="2900" kern="1200" dirty="0"/>
         </a:p>
@@ -27816,7 +27816,7 @@
           <a:p>
             <a:fld id="{12FF4958-73A8-0C45-B2CC-0B28C61919BB}" type="datetimeFigureOut">
               <a:rPr lang="en-US" smtClean="0"/>
-              <a:t>4/21/22</a:t>
+              <a:t>4/29/22</a:t>
             </a:fld>
             <a:endParaRPr lang="en-US"/>
           </a:p>
@@ -28230,7 +28230,7 @@
           <a:p>
             <a:fld id="{7257CB4B-FE7D-934A-8E0D-29C3E471BCBD}" type="datetime1">
               <a:rPr lang="en-US" smtClean="0"/>
-              <a:t>4/26/22</a:t>
+              <a:t>4/29/22</a:t>
             </a:fld>
             <a:endParaRPr lang="en-US"/>
           </a:p>
@@ -28431,7 +28431,7 @@
           <a:p>
             <a:fld id="{757E0F8F-7225-5B45-8BE2-3B320789CDB6}" type="datetime1">
               <a:rPr lang="en-US" smtClean="0"/>
-              <a:t>4/26/22</a:t>
+              <a:t>4/29/22</a:t>
             </a:fld>
             <a:endParaRPr lang="en-US"/>
           </a:p>
@@ -28642,7 +28642,7 @@
           <a:p>
             <a:fld id="{76F1FBC1-43C1-5B4D-A863-A02DDC9943A1}" type="datetime1">
               <a:rPr lang="en-US" smtClean="0"/>
-              <a:t>4/26/22</a:t>
+              <a:t>4/29/22</a:t>
             </a:fld>
             <a:endParaRPr lang="en-US"/>
           </a:p>
@@ -28843,7 +28843,7 @@
           <a:p>
             <a:fld id="{05DED2FE-6307-3F4C-9CB9-FA851510FC1E}" type="datetime1">
               <a:rPr lang="en-US" smtClean="0"/>
-              <a:t>4/26/22</a:t>
+              <a:t>4/29/22</a:t>
             </a:fld>
             <a:endParaRPr lang="en-US"/>
           </a:p>
@@ -29121,7 +29121,7 @@
           <a:p>
             <a:fld id="{28849276-BD9F-B447-84FB-2D81B05CC979}" type="datetime1">
               <a:rPr lang="en-US" smtClean="0"/>
-              <a:t>4/26/22</a:t>
+              <a:t>4/29/22</a:t>
             </a:fld>
             <a:endParaRPr lang="en-US"/>
           </a:p>
@@ -29389,7 +29389,7 @@
           <a:p>
             <a:fld id="{7FF79110-FC9C-3B42-82C3-E8CC8066BF6C}" type="datetime1">
               <a:rPr lang="en-US" smtClean="0"/>
-              <a:t>4/26/22</a:t>
+              <a:t>4/29/22</a:t>
             </a:fld>
             <a:endParaRPr lang="en-US"/>
           </a:p>
@@ -29804,7 +29804,7 @@
           <a:p>
             <a:fld id="{65A73BAE-33E8-464E-883D-D710F27390D5}" type="datetime1">
               <a:rPr lang="en-US" smtClean="0"/>
-              <a:t>4/26/22</a:t>
+              <a:t>4/29/22</a:t>
             </a:fld>
             <a:endParaRPr lang="en-US"/>
           </a:p>
@@ -29948,7 +29948,7 @@
           <a:p>
             <a:fld id="{7B241914-E767-7B4E-839F-C01516676BFB}" type="datetime1">
               <a:rPr lang="en-US" smtClean="0"/>
-              <a:t>4/26/22</a:t>
+              <a:t>4/29/22</a:t>
             </a:fld>
             <a:endParaRPr lang="en-US"/>
           </a:p>
@@ -30064,7 +30064,7 @@
           <a:p>
             <a:fld id="{9A920562-8FB6-6845-AB0A-0ACB8511DD3C}" type="datetime1">
               <a:rPr lang="en-US" smtClean="0"/>
-              <a:t>4/26/22</a:t>
+              <a:t>4/29/22</a:t>
             </a:fld>
             <a:endParaRPr lang="en-US"/>
           </a:p>
@@ -30378,7 +30378,7 @@
           <a:p>
             <a:fld id="{07B72D19-7282-784F-930A-4F0E8C4FABE1}" type="datetime1">
               <a:rPr lang="en-US" smtClean="0"/>
-              <a:t>4/26/22</a:t>
+              <a:t>4/29/22</a:t>
             </a:fld>
             <a:endParaRPr lang="en-US"/>
           </a:p>
@@ -30669,7 +30669,7 @@
           <a:p>
             <a:fld id="{51D24204-6E55-C74A-B2E9-DCED9277E544}" type="datetime1">
               <a:rPr lang="en-US" smtClean="0"/>
-              <a:t>4/26/22</a:t>
+              <a:t>4/29/22</a:t>
             </a:fld>
             <a:endParaRPr lang="en-US"/>
           </a:p>
@@ -30913,7 +30913,7 @@
           <a:p>
             <a:fld id="{7EA0AB91-B679-C241-A03E-43EBCAC47AAC}" type="datetime1">
               <a:rPr lang="en-US" smtClean="0"/>
-              <a:t>4/26/22</a:t>
+              <a:t>4/29/22</a:t>
             </a:fld>
             <a:endParaRPr lang="en-US"/>
           </a:p>
@@ -35370,7 +35370,7 @@
           <p:nvPr>
             <p:extLst>
               <p:ext uri="{D42A27DB-BD31-4B8C-83A1-F6EECF244321}">
-                <p14:modId xmlns:p14="http://schemas.microsoft.com/office/powerpoint/2010/main" val="1218428590"/>
+                <p14:modId xmlns:p14="http://schemas.microsoft.com/office/powerpoint/2010/main" val="241614376"/>
               </p:ext>
             </p:extLst>
           </p:nvPr>
